--- a/files/06-07-1. Class.pptx
+++ b/files/06-07-1. Class.pptx
@@ -250,7 +250,7 @@
             <a:fld id="{4249C1F1-5D9E-4F92-BFE1-F197A999C5C4}" type="datetimeFigureOut">
               <a:rPr lang="ko-KR" altLang="en-US" smtClean="0"/>
               <a:pPr/>
-              <a:t>2023-01-07</a:t>
+              <a:t>2023-04-24</a:t>
             </a:fld>
             <a:endParaRPr lang="ko-KR" altLang="en-US"/>
           </a:p>
@@ -417,7 +417,7 @@
             <a:fld id="{41997BA9-E42B-479B-A3F0-E2AB7C7948FD}" type="datetimeFigureOut">
               <a:rPr lang="ko-KR" altLang="en-US" smtClean="0"/>
               <a:pPr/>
-              <a:t>2023-01-07</a:t>
+              <a:t>2023-04-24</a:t>
             </a:fld>
             <a:endParaRPr lang="ko-KR" altLang="en-US"/>
           </a:p>
@@ -1143,7 +1143,7 @@
             <a:fld id="{F8A36CA8-3CA0-436F-8BB3-38FA931C2057}" type="datetimeFigureOut">
               <a:rPr lang="ko-KR" altLang="en-US" smtClean="0"/>
               <a:pPr/>
-              <a:t>2023-01-07</a:t>
+              <a:t>2023-04-24</a:t>
             </a:fld>
             <a:endParaRPr lang="ko-KR" altLang="en-US"/>
           </a:p>
@@ -1336,7 +1336,7 @@
             <a:fld id="{F8A36CA8-3CA0-436F-8BB3-38FA931C2057}" type="datetimeFigureOut">
               <a:rPr lang="ko-KR" altLang="en-US" smtClean="0"/>
               <a:pPr/>
-              <a:t>2023-01-07</a:t>
+              <a:t>2023-04-24</a:t>
             </a:fld>
             <a:endParaRPr lang="ko-KR" altLang="en-US"/>
           </a:p>
@@ -1523,7 +1523,7 @@
             <a:fld id="{F8A36CA8-3CA0-436F-8BB3-38FA931C2057}" type="datetimeFigureOut">
               <a:rPr lang="ko-KR" altLang="en-US" smtClean="0"/>
               <a:pPr/>
-              <a:t>2023-01-07</a:t>
+              <a:t>2023-04-24</a:t>
             </a:fld>
             <a:endParaRPr lang="ko-KR" altLang="en-US"/>
           </a:p>
@@ -1788,7 +1788,7 @@
             <a:fld id="{F8A36CA8-3CA0-436F-8BB3-38FA931C2057}" type="datetimeFigureOut">
               <a:rPr lang="ko-KR" altLang="en-US" smtClean="0"/>
               <a:pPr/>
-              <a:t>2023-01-07</a:t>
+              <a:t>2023-04-24</a:t>
             </a:fld>
             <a:endParaRPr lang="ko-KR" altLang="en-US"/>
           </a:p>
@@ -2206,7 +2206,7 @@
             <a:fld id="{F8A36CA8-3CA0-436F-8BB3-38FA931C2057}" type="datetimeFigureOut">
               <a:rPr lang="ko-KR" altLang="en-US" smtClean="0"/>
               <a:pPr/>
-              <a:t>2023-01-07</a:t>
+              <a:t>2023-04-24</a:t>
             </a:fld>
             <a:endParaRPr lang="ko-KR" altLang="en-US"/>
           </a:p>
@@ -2450,7 +2450,7 @@
             <a:fld id="{F8A36CA8-3CA0-436F-8BB3-38FA931C2057}" type="datetimeFigureOut">
               <a:rPr lang="ko-KR" altLang="en-US" smtClean="0"/>
               <a:pPr/>
-              <a:t>2023-01-07</a:t>
+              <a:t>2023-04-24</a:t>
             </a:fld>
             <a:endParaRPr lang="ko-KR" altLang="en-US"/>
           </a:p>
@@ -2688,7 +2688,7 @@
             <a:fld id="{F8A36CA8-3CA0-436F-8BB3-38FA931C2057}" type="datetimeFigureOut">
               <a:rPr lang="ko-KR" altLang="en-US" smtClean="0"/>
               <a:pPr/>
-              <a:t>2023-01-07</a:t>
+              <a:t>2023-04-24</a:t>
             </a:fld>
             <a:endParaRPr lang="ko-KR" altLang="en-US"/>
           </a:p>
@@ -2885,7 +2885,7 @@
             <a:fld id="{F8A36CA8-3CA0-436F-8BB3-38FA931C2057}" type="datetimeFigureOut">
               <a:rPr lang="ko-KR" altLang="en-US" smtClean="0"/>
               <a:pPr/>
-              <a:t>2023-01-07</a:t>
+              <a:t>2023-04-24</a:t>
             </a:fld>
             <a:endParaRPr lang="ko-KR" altLang="en-US"/>
           </a:p>
@@ -2985,7 +2985,7 @@
             <a:fld id="{F8A36CA8-3CA0-436F-8BB3-38FA931C2057}" type="datetimeFigureOut">
               <a:rPr lang="ko-KR" altLang="en-US" smtClean="0"/>
               <a:pPr/>
-              <a:t>2023-01-07</a:t>
+              <a:t>2023-04-24</a:t>
             </a:fld>
             <a:endParaRPr lang="ko-KR" altLang="en-US"/>
           </a:p>
@@ -3123,7 +3123,7 @@
             <a:fld id="{F8A36CA8-3CA0-436F-8BB3-38FA931C2057}" type="datetimeFigureOut">
               <a:rPr lang="ko-KR" altLang="en-US" smtClean="0"/>
               <a:pPr/>
-              <a:t>2023-01-07</a:t>
+              <a:t>2023-04-24</a:t>
             </a:fld>
             <a:endParaRPr lang="ko-KR" altLang="en-US"/>
           </a:p>
@@ -3643,7 +3643,7 @@
             <a:fld id="{F8A36CA8-3CA0-436F-8BB3-38FA931C2057}" type="datetimeFigureOut">
               <a:rPr lang="ko-KR" altLang="en-US" smtClean="0"/>
               <a:pPr/>
-              <a:t>2023-01-07</a:t>
+              <a:t>2023-04-24</a:t>
             </a:fld>
             <a:endParaRPr lang="ko-KR" altLang="en-US"/>
           </a:p>
@@ -3906,7 +3906,7 @@
             <a:fld id="{F8A36CA8-3CA0-436F-8BB3-38FA931C2057}" type="datetimeFigureOut">
               <a:rPr lang="ko-KR" altLang="en-US" smtClean="0"/>
               <a:pPr/>
-              <a:t>2023-01-07</a:t>
+              <a:t>2023-04-24</a:t>
             </a:fld>
             <a:endParaRPr lang="ko-KR" altLang="en-US"/>
           </a:p>
@@ -8894,7 +8894,15 @@
             </a:r>
             <a:r>
               <a:rPr lang="ko-KR" altLang="en-US" sz="1200" dirty="0"/>
-              <a:t>부모클래스</a:t>
+              <a:t>부모클래스 </a:t>
+            </a:r>
+            <a:r>
+              <a:rPr lang="en-US" altLang="ko-KR" sz="1200" dirty="0"/>
+              <a:t>– 1</a:t>
+            </a:r>
+            <a:r>
+              <a:rPr lang="ko-KR" altLang="en-US" sz="1200" dirty="0" err="1"/>
+              <a:t>개뿐</a:t>
             </a:r>
             <a:r>
               <a:rPr lang="en-US" altLang="ko-KR" sz="1200" dirty="0"/>
@@ -8906,8 +8914,17 @@
             </a:r>
             <a:r>
               <a:rPr lang="en-US" altLang="ko-KR" sz="1200" dirty="0"/>
-              <a:t>1,  …]</a:t>
-            </a:r>
+              <a:t>1, … - </a:t>
+            </a:r>
+            <a:r>
+              <a:rPr lang="ko-KR" altLang="en-US" sz="1200"/>
+              <a:t>여러개</a:t>
+            </a:r>
+            <a:r>
+              <a:rPr lang="en-US" altLang="ko-KR" sz="1200"/>
+              <a:t>]</a:t>
+            </a:r>
+            <a:endParaRPr lang="en-US" altLang="ko-KR" sz="1200" dirty="0"/>
           </a:p>
           <a:p>
             <a:pPr lvl="1">
@@ -9139,15 +9156,7 @@
             </a:pPr>
             <a:r>
               <a:rPr lang="en-US" altLang="ko-KR" sz="1200" dirty="0"/>
-              <a:t> </a:t>
-            </a:r>
-            <a:r>
-              <a:rPr lang="en-US" altLang="ko-KR" sz="1200"/>
-              <a:t>	[return </a:t>
-            </a:r>
-            <a:r>
-              <a:rPr lang="en-US" altLang="ko-KR" sz="1200" dirty="0"/>
-              <a:t>[ </a:t>
+              <a:t> 	[return [ </a:t>
             </a:r>
             <a:r>
               <a:rPr lang="ko-KR" altLang="en-US" sz="1200" dirty="0"/>
